--- a/day1/ClassIntroSlides.pptx
+++ b/day1/ClassIntroSlides.pptx
@@ -3734,8 +3734,11 @@
               <a:rPr lang="en-US" sz="2000" i="1" dirty="0" smtClean="0">
                 <a:latin typeface="Corbel" panose="020B0503020204020204" pitchFamily="34" charset="0"/>
               </a:rPr>
-              <a:t>March 2016</a:t>
-            </a:r>
+              <a:t>July 2016</a:t>
+            </a:r>
+            <a:endParaRPr lang="en-US" sz="2000" i="1" dirty="0" smtClean="0">
+              <a:latin typeface="Corbel" panose="020B0503020204020204" pitchFamily="34" charset="0"/>
+            </a:endParaRPr>
           </a:p>
         </p:txBody>
       </p:sp>
@@ -3849,7 +3852,19 @@
               <a:rPr lang="en-US" sz="2200" i="1" dirty="0">
                 <a:latin typeface="Corbel" panose="020B0503020204020204" pitchFamily="34" charset="0"/>
               </a:rPr>
-              <a:t>Day 1 (Mar. 14): Software Day</a:t>
+              <a:t>Day </a:t>
+            </a:r>
+            <a:r>
+              <a:rPr lang="en-US" sz="2200" i="1" dirty="0" smtClean="0">
+                <a:latin typeface="Corbel" panose="020B0503020204020204" pitchFamily="34" charset="0"/>
+              </a:rPr>
+              <a:t>1: Software </a:t>
+            </a:r>
+            <a:r>
+              <a:rPr lang="en-US" sz="2200" i="1" dirty="0">
+                <a:latin typeface="Corbel" panose="020B0503020204020204" pitchFamily="34" charset="0"/>
+              </a:rPr>
+              <a:t>Day</a:t>
             </a:r>
             <a:endParaRPr lang="en-US" sz="2200" dirty="0">
               <a:latin typeface="Corbel" panose="020B0503020204020204" pitchFamily="34" charset="0"/>
@@ -3934,7 +3949,7 @@
               <a:t>Day </a:t>
             </a:r>
             <a:r>
-              <a:rPr lang="en-US" sz="2200" i="1" dirty="0">
+              <a:rPr lang="en-US" sz="2200" i="1" dirty="0" smtClean="0">
                 <a:solidFill>
                   <a:schemeClr val="tx1">
                     <a:lumMod val="65000"/>
@@ -3943,7 +3958,19 @@
                 </a:solidFill>
                 <a:latin typeface="Corbel" panose="020B0503020204020204" pitchFamily="34" charset="0"/>
               </a:rPr>
-              <a:t>2 (Mar. 21): Technical Stuff Day</a:t>
+              <a:t>2: </a:t>
+            </a:r>
+            <a:r>
+              <a:rPr lang="en-US" sz="2200" i="1" dirty="0">
+                <a:solidFill>
+                  <a:schemeClr val="tx1">
+                    <a:lumMod val="65000"/>
+                    <a:lumOff val="35000"/>
+                  </a:schemeClr>
+                </a:solidFill>
+                <a:latin typeface="Corbel" panose="020B0503020204020204" pitchFamily="34" charset="0"/>
+              </a:rPr>
+              <a:t>Technical Stuff Day</a:t>
             </a:r>
             <a:endParaRPr lang="en-US" sz="2200" dirty="0">
               <a:solidFill>
@@ -3977,7 +4004,31 @@
                 </a:solidFill>
                 <a:latin typeface="Corbel" panose="020B0503020204020204" pitchFamily="34" charset="0"/>
               </a:rPr>
-              <a:t>Day 3 (Mar. 28): Data Day</a:t>
+              <a:t>Day </a:t>
+            </a:r>
+            <a:r>
+              <a:rPr lang="en-US" sz="2200" i="1" dirty="0" smtClean="0">
+                <a:solidFill>
+                  <a:schemeClr val="tx1">
+                    <a:lumMod val="65000"/>
+                    <a:lumOff val="35000"/>
+                  </a:schemeClr>
+                </a:solidFill>
+                <a:latin typeface="Corbel" panose="020B0503020204020204" pitchFamily="34" charset="0"/>
+              </a:rPr>
+              <a:t>3: </a:t>
+            </a:r>
+            <a:r>
+              <a:rPr lang="en-US" sz="2200" i="1" dirty="0" smtClean="0">
+                <a:solidFill>
+                  <a:schemeClr val="tx1">
+                    <a:lumMod val="65000"/>
+                    <a:lumOff val="35000"/>
+                  </a:schemeClr>
+                </a:solidFill>
+                <a:latin typeface="Corbel" panose="020B0503020204020204" pitchFamily="34" charset="0"/>
+              </a:rPr>
+              <a:t>Data Day</a:t>
             </a:r>
             <a:endParaRPr lang="en-US" sz="2200" dirty="0" smtClean="0">
               <a:solidFill>
@@ -4011,7 +4062,31 @@
                 </a:solidFill>
                 <a:latin typeface="Corbel" panose="020B0503020204020204" pitchFamily="34" charset="0"/>
               </a:rPr>
-              <a:t>Day 4 (Apr. 4): Map Day</a:t>
+              <a:t>Day </a:t>
+            </a:r>
+            <a:r>
+              <a:rPr lang="en-US" sz="2200" i="1" dirty="0" smtClean="0">
+                <a:solidFill>
+                  <a:schemeClr val="tx1">
+                    <a:lumMod val="65000"/>
+                    <a:lumOff val="35000"/>
+                  </a:schemeClr>
+                </a:solidFill>
+                <a:latin typeface="Corbel" panose="020B0503020204020204" pitchFamily="34" charset="0"/>
+              </a:rPr>
+              <a:t>4: </a:t>
+            </a:r>
+            <a:r>
+              <a:rPr lang="en-US" sz="2200" i="1" dirty="0" smtClean="0">
+                <a:solidFill>
+                  <a:schemeClr val="tx1">
+                    <a:lumMod val="65000"/>
+                    <a:lumOff val="35000"/>
+                  </a:schemeClr>
+                </a:solidFill>
+                <a:latin typeface="Corbel" panose="020B0503020204020204" pitchFamily="34" charset="0"/>
+              </a:rPr>
+              <a:t>Map Day</a:t>
             </a:r>
             <a:endParaRPr lang="en-US" sz="2200" dirty="0" smtClean="0">
               <a:solidFill>
@@ -4141,7 +4216,31 @@
                 </a:solidFill>
                 <a:latin typeface="Corbel" panose="020B0503020204020204" pitchFamily="34" charset="0"/>
               </a:rPr>
-              <a:t>Day 1 (Mar. 14): Software Day</a:t>
+              <a:t>Day </a:t>
+            </a:r>
+            <a:r>
+              <a:rPr lang="en-US" sz="2200" i="1" dirty="0" smtClean="0">
+                <a:solidFill>
+                  <a:schemeClr val="tx1">
+                    <a:lumMod val="65000"/>
+                    <a:lumOff val="35000"/>
+                  </a:schemeClr>
+                </a:solidFill>
+                <a:latin typeface="Corbel" panose="020B0503020204020204" pitchFamily="34" charset="0"/>
+              </a:rPr>
+              <a:t>1: </a:t>
+            </a:r>
+            <a:r>
+              <a:rPr lang="en-US" sz="2200" i="1" dirty="0">
+                <a:solidFill>
+                  <a:schemeClr val="tx1">
+                    <a:lumMod val="65000"/>
+                    <a:lumOff val="35000"/>
+                  </a:schemeClr>
+                </a:solidFill>
+                <a:latin typeface="Corbel" panose="020B0503020204020204" pitchFamily="34" charset="0"/>
+              </a:rPr>
+              <a:t>Software Day</a:t>
             </a:r>
             <a:endParaRPr lang="en-US" sz="2200" dirty="0">
               <a:solidFill>
@@ -4166,10 +4265,16 @@
               <a:t>Day </a:t>
             </a:r>
             <a:r>
+              <a:rPr lang="en-US" sz="2200" i="1" dirty="0" smtClean="0">
+                <a:latin typeface="Corbel" panose="020B0503020204020204" pitchFamily="34" charset="0"/>
+              </a:rPr>
+              <a:t>2: </a:t>
+            </a:r>
+            <a:r>
               <a:rPr lang="en-US" sz="2200" i="1" dirty="0">
                 <a:latin typeface="Corbel" panose="020B0503020204020204" pitchFamily="34" charset="0"/>
               </a:rPr>
-              <a:t>2 (Mar. 21): Technical Stuff Day</a:t>
+              <a:t>Technical Stuff Day</a:t>
             </a:r>
             <a:endParaRPr lang="en-US" sz="2200" dirty="0">
               <a:latin typeface="Corbel" panose="020B0503020204020204" pitchFamily="34" charset="0"/>
@@ -4251,7 +4356,31 @@
                 </a:solidFill>
                 <a:latin typeface="Corbel" panose="020B0503020204020204" pitchFamily="34" charset="0"/>
               </a:rPr>
-              <a:t>Day 3 (Mar. 28): Data Day</a:t>
+              <a:t>Day </a:t>
+            </a:r>
+            <a:r>
+              <a:rPr lang="en-US" sz="2200" i="1" dirty="0" smtClean="0">
+                <a:solidFill>
+                  <a:schemeClr val="tx1">
+                    <a:lumMod val="65000"/>
+                    <a:lumOff val="35000"/>
+                  </a:schemeClr>
+                </a:solidFill>
+                <a:latin typeface="Corbel" panose="020B0503020204020204" pitchFamily="34" charset="0"/>
+              </a:rPr>
+              <a:t>3: </a:t>
+            </a:r>
+            <a:r>
+              <a:rPr lang="en-US" sz="2200" i="1" dirty="0" smtClean="0">
+                <a:solidFill>
+                  <a:schemeClr val="tx1">
+                    <a:lumMod val="65000"/>
+                    <a:lumOff val="35000"/>
+                  </a:schemeClr>
+                </a:solidFill>
+                <a:latin typeface="Corbel" panose="020B0503020204020204" pitchFamily="34" charset="0"/>
+              </a:rPr>
+              <a:t>Data Day</a:t>
             </a:r>
             <a:endParaRPr lang="en-US" sz="2200" dirty="0" smtClean="0">
               <a:solidFill>
@@ -4279,7 +4408,31 @@
                 </a:solidFill>
                 <a:latin typeface="Corbel" panose="020B0503020204020204" pitchFamily="34" charset="0"/>
               </a:rPr>
-              <a:t>Day 4 (Apr. 4): Map Day</a:t>
+              <a:t>Day </a:t>
+            </a:r>
+            <a:r>
+              <a:rPr lang="en-US" sz="2200" i="1" dirty="0" smtClean="0">
+                <a:solidFill>
+                  <a:schemeClr val="tx1">
+                    <a:lumMod val="65000"/>
+                    <a:lumOff val="35000"/>
+                  </a:schemeClr>
+                </a:solidFill>
+                <a:latin typeface="Corbel" panose="020B0503020204020204" pitchFamily="34" charset="0"/>
+              </a:rPr>
+              <a:t>4: </a:t>
+            </a:r>
+            <a:r>
+              <a:rPr lang="en-US" sz="2200" i="1" dirty="0" smtClean="0">
+                <a:solidFill>
+                  <a:schemeClr val="tx1">
+                    <a:lumMod val="65000"/>
+                    <a:lumOff val="35000"/>
+                  </a:schemeClr>
+                </a:solidFill>
+                <a:latin typeface="Corbel" panose="020B0503020204020204" pitchFamily="34" charset="0"/>
+              </a:rPr>
+              <a:t>Map Day</a:t>
             </a:r>
             <a:endParaRPr lang="en-US" sz="2200" dirty="0" smtClean="0">
               <a:solidFill>
@@ -4409,7 +4562,31 @@
                 </a:solidFill>
                 <a:latin typeface="Corbel" panose="020B0503020204020204" pitchFamily="34" charset="0"/>
               </a:rPr>
-              <a:t>Day 1 (Mar. 14): Software Day</a:t>
+              <a:t>Day </a:t>
+            </a:r>
+            <a:r>
+              <a:rPr lang="en-US" sz="2200" i="1" dirty="0" smtClean="0">
+                <a:solidFill>
+                  <a:schemeClr val="tx1">
+                    <a:lumMod val="65000"/>
+                    <a:lumOff val="35000"/>
+                  </a:schemeClr>
+                </a:solidFill>
+                <a:latin typeface="Corbel" panose="020B0503020204020204" pitchFamily="34" charset="0"/>
+              </a:rPr>
+              <a:t>1: </a:t>
+            </a:r>
+            <a:r>
+              <a:rPr lang="en-US" sz="2200" i="1" dirty="0">
+                <a:solidFill>
+                  <a:schemeClr val="tx1">
+                    <a:lumMod val="65000"/>
+                    <a:lumOff val="35000"/>
+                  </a:schemeClr>
+                </a:solidFill>
+                <a:latin typeface="Corbel" panose="020B0503020204020204" pitchFamily="34" charset="0"/>
+              </a:rPr>
+              <a:t>Software Day</a:t>
             </a:r>
             <a:endParaRPr lang="en-US" sz="2200" dirty="0">
               <a:solidFill>
@@ -4446,7 +4623,7 @@
               <a:t>Day </a:t>
             </a:r>
             <a:r>
-              <a:rPr lang="en-US" sz="2200" i="1" dirty="0">
+              <a:rPr lang="en-US" sz="2200" i="1" dirty="0" smtClean="0">
                 <a:solidFill>
                   <a:schemeClr val="tx1">
                     <a:lumMod val="65000"/>
@@ -4455,7 +4632,19 @@
                 </a:solidFill>
                 <a:latin typeface="Corbel" panose="020B0503020204020204" pitchFamily="34" charset="0"/>
               </a:rPr>
-              <a:t>2 (Mar. 21): Technical Stuff Day</a:t>
+              <a:t>2: </a:t>
+            </a:r>
+            <a:r>
+              <a:rPr lang="en-US" sz="2200" i="1" dirty="0">
+                <a:solidFill>
+                  <a:schemeClr val="tx1">
+                    <a:lumMod val="65000"/>
+                    <a:lumOff val="35000"/>
+                  </a:schemeClr>
+                </a:solidFill>
+                <a:latin typeface="Corbel" panose="020B0503020204020204" pitchFamily="34" charset="0"/>
+              </a:rPr>
+              <a:t>Technical Stuff Day</a:t>
             </a:r>
             <a:endParaRPr lang="en-US" sz="2200" dirty="0">
               <a:solidFill>
@@ -4477,7 +4666,19 @@
               <a:rPr lang="en-US" sz="2200" i="1" dirty="0" smtClean="0">
                 <a:latin typeface="Corbel" panose="020B0503020204020204" pitchFamily="34" charset="0"/>
               </a:rPr>
-              <a:t>Day 3 (Mar. 28): Data Day</a:t>
+              <a:t>Day </a:t>
+            </a:r>
+            <a:r>
+              <a:rPr lang="en-US" sz="2200" i="1" dirty="0" smtClean="0">
+                <a:latin typeface="Corbel" panose="020B0503020204020204" pitchFamily="34" charset="0"/>
+              </a:rPr>
+              <a:t>3: </a:t>
+            </a:r>
+            <a:r>
+              <a:rPr lang="en-US" sz="2200" i="1" dirty="0" smtClean="0">
+                <a:latin typeface="Corbel" panose="020B0503020204020204" pitchFamily="34" charset="0"/>
+              </a:rPr>
+              <a:t>Data Day</a:t>
             </a:r>
             <a:endParaRPr lang="en-US" sz="2200" dirty="0" smtClean="0">
               <a:latin typeface="Corbel" panose="020B0503020204020204" pitchFamily="34" charset="0"/>
@@ -4540,13 +4741,7 @@
               <a:rPr lang="en-US" sz="2200" dirty="0" smtClean="0">
                 <a:latin typeface="Corbel" panose="020B0503020204020204" pitchFamily="34" charset="0"/>
               </a:rPr>
-              <a:t>Basic layer styling </a:t>
-            </a:r>
-            <a:r>
-              <a:rPr lang="en-US" sz="2200" dirty="0" smtClean="0">
-                <a:latin typeface="Corbel" panose="020B0503020204020204" pitchFamily="34" charset="0"/>
-              </a:rPr>
-              <a:t>in QGIS</a:t>
+              <a:t>Basic layer styling in QGIS</a:t>
             </a:r>
           </a:p>
           <a:p>
@@ -4565,7 +4760,31 @@
                 </a:solidFill>
                 <a:latin typeface="Corbel" panose="020B0503020204020204" pitchFamily="34" charset="0"/>
               </a:rPr>
-              <a:t>Day 4 (Apr. 4): Map Day</a:t>
+              <a:t>Day </a:t>
+            </a:r>
+            <a:r>
+              <a:rPr lang="en-US" sz="2200" i="1" dirty="0" smtClean="0">
+                <a:solidFill>
+                  <a:schemeClr val="tx1">
+                    <a:lumMod val="65000"/>
+                    <a:lumOff val="35000"/>
+                  </a:schemeClr>
+                </a:solidFill>
+                <a:latin typeface="Corbel" panose="020B0503020204020204" pitchFamily="34" charset="0"/>
+              </a:rPr>
+              <a:t>4: </a:t>
+            </a:r>
+            <a:r>
+              <a:rPr lang="en-US" sz="2200" i="1" dirty="0" smtClean="0">
+                <a:solidFill>
+                  <a:schemeClr val="tx1">
+                    <a:lumMod val="65000"/>
+                    <a:lumOff val="35000"/>
+                  </a:schemeClr>
+                </a:solidFill>
+                <a:latin typeface="Corbel" panose="020B0503020204020204" pitchFamily="34" charset="0"/>
+              </a:rPr>
+              <a:t>Map Day</a:t>
             </a:r>
             <a:endParaRPr lang="en-US" sz="2200" dirty="0" smtClean="0">
               <a:solidFill>
@@ -4695,7 +4914,31 @@
                 </a:solidFill>
                 <a:latin typeface="Corbel" panose="020B0503020204020204" pitchFamily="34" charset="0"/>
               </a:rPr>
-              <a:t>Day 1 (Mar. 14): Software Day</a:t>
+              <a:t>Day </a:t>
+            </a:r>
+            <a:r>
+              <a:rPr lang="en-US" sz="2200" i="1" dirty="0" smtClean="0">
+                <a:solidFill>
+                  <a:schemeClr val="tx1">
+                    <a:lumMod val="65000"/>
+                    <a:lumOff val="35000"/>
+                  </a:schemeClr>
+                </a:solidFill>
+                <a:latin typeface="Corbel" panose="020B0503020204020204" pitchFamily="34" charset="0"/>
+              </a:rPr>
+              <a:t>1: </a:t>
+            </a:r>
+            <a:r>
+              <a:rPr lang="en-US" sz="2200" i="1" dirty="0">
+                <a:solidFill>
+                  <a:schemeClr val="tx1">
+                    <a:lumMod val="65000"/>
+                    <a:lumOff val="35000"/>
+                  </a:schemeClr>
+                </a:solidFill>
+                <a:latin typeface="Corbel" panose="020B0503020204020204" pitchFamily="34" charset="0"/>
+              </a:rPr>
+              <a:t>Software Day</a:t>
             </a:r>
             <a:endParaRPr lang="en-US" sz="2200" dirty="0">
               <a:solidFill>
@@ -4732,7 +4975,7 @@
               <a:t>Day </a:t>
             </a:r>
             <a:r>
-              <a:rPr lang="en-US" sz="2200" i="1" dirty="0">
+              <a:rPr lang="en-US" sz="2200" i="1" dirty="0" smtClean="0">
                 <a:solidFill>
                   <a:schemeClr val="tx1">
                     <a:lumMod val="65000"/>
@@ -4741,7 +4984,19 @@
                 </a:solidFill>
                 <a:latin typeface="Corbel" panose="020B0503020204020204" pitchFamily="34" charset="0"/>
               </a:rPr>
-              <a:t>2 (Mar. 21): Technical Stuff Day</a:t>
+              <a:t>2: </a:t>
+            </a:r>
+            <a:r>
+              <a:rPr lang="en-US" sz="2200" i="1" dirty="0">
+                <a:solidFill>
+                  <a:schemeClr val="tx1">
+                    <a:lumMod val="65000"/>
+                    <a:lumOff val="35000"/>
+                  </a:schemeClr>
+                </a:solidFill>
+                <a:latin typeface="Corbel" panose="020B0503020204020204" pitchFamily="34" charset="0"/>
+              </a:rPr>
+              <a:t>Technical Stuff Day</a:t>
             </a:r>
             <a:endParaRPr lang="en-US" sz="2200" dirty="0">
               <a:solidFill>
@@ -4775,7 +5030,31 @@
                 </a:solidFill>
                 <a:latin typeface="Corbel" panose="020B0503020204020204" pitchFamily="34" charset="0"/>
               </a:rPr>
-              <a:t>Day 3 (Mar. 28): Data Day</a:t>
+              <a:t>Day </a:t>
+            </a:r>
+            <a:r>
+              <a:rPr lang="en-US" sz="2200" i="1" dirty="0" smtClean="0">
+                <a:solidFill>
+                  <a:schemeClr val="tx1">
+                    <a:lumMod val="65000"/>
+                    <a:lumOff val="35000"/>
+                  </a:schemeClr>
+                </a:solidFill>
+                <a:latin typeface="Corbel" panose="020B0503020204020204" pitchFamily="34" charset="0"/>
+              </a:rPr>
+              <a:t>3: </a:t>
+            </a:r>
+            <a:r>
+              <a:rPr lang="en-US" sz="2200" i="1" dirty="0" smtClean="0">
+                <a:solidFill>
+                  <a:schemeClr val="tx1">
+                    <a:lumMod val="65000"/>
+                    <a:lumOff val="35000"/>
+                  </a:schemeClr>
+                </a:solidFill>
+                <a:latin typeface="Corbel" panose="020B0503020204020204" pitchFamily="34" charset="0"/>
+              </a:rPr>
+              <a:t>Data Day</a:t>
             </a:r>
             <a:endParaRPr lang="en-US" sz="2200" dirty="0" smtClean="0">
               <a:solidFill>
@@ -4797,7 +5076,19 @@
               <a:rPr lang="en-US" sz="2200" i="1" dirty="0" smtClean="0">
                 <a:latin typeface="Corbel" panose="020B0503020204020204" pitchFamily="34" charset="0"/>
               </a:rPr>
-              <a:t>Day 4 (Apr. 4): Map Day</a:t>
+              <a:t>Day </a:t>
+            </a:r>
+            <a:r>
+              <a:rPr lang="en-US" sz="2200" i="1" dirty="0" smtClean="0">
+                <a:latin typeface="Corbel" panose="020B0503020204020204" pitchFamily="34" charset="0"/>
+              </a:rPr>
+              <a:t>4: </a:t>
+            </a:r>
+            <a:r>
+              <a:rPr lang="en-US" sz="2200" i="1" dirty="0" smtClean="0">
+                <a:latin typeface="Corbel" panose="020B0503020204020204" pitchFamily="34" charset="0"/>
+              </a:rPr>
+              <a:t>Map Day</a:t>
             </a:r>
             <a:endParaRPr lang="en-US" sz="2200" dirty="0" smtClean="0">
               <a:latin typeface="Corbel" panose="020B0503020204020204" pitchFamily="34" charset="0"/>
